--- a/presentation-Angular.pptx
+++ b/presentation-Angular.pptx
@@ -9,11 +9,13 @@
     <p:sldId id="257" r:id="rId3"/>
     <p:sldId id="258" r:id="rId4"/>
     <p:sldId id="259" r:id="rId5"/>
-    <p:sldId id="260" r:id="rId6"/>
-    <p:sldId id="262" r:id="rId7"/>
-    <p:sldId id="261" r:id="rId8"/>
-    <p:sldId id="263" r:id="rId9"/>
-    <p:sldId id="264" r:id="rId10"/>
+    <p:sldId id="265" r:id="rId6"/>
+    <p:sldId id="260" r:id="rId7"/>
+    <p:sldId id="262" r:id="rId8"/>
+    <p:sldId id="261" r:id="rId9"/>
+    <p:sldId id="263" r:id="rId10"/>
+    <p:sldId id="264" r:id="rId11"/>
+    <p:sldId id="266" r:id="rId12"/>
   </p:sldIdLst>
   <p:sldSz cx="9144000" cy="6858000" type="screen4x3"/>
   <p:notesSz cx="6858000" cy="9144000"/>
@@ -296,6 +298,7 @@
           <a:p>
             <a:fld id="{0B4CB7A5-8BCA-46DF-BDAC-05624F8DA9EF}" type="datetimeFigureOut">
               <a:rPr lang="fr-FR" smtClean="0"/>
+              <a:pPr/>
               <a:t>09/02/2022</a:t>
             </a:fld>
             <a:endParaRPr lang="fr-FR"/>
@@ -338,6 +341,7 @@
           <a:p>
             <a:fld id="{61D4C43A-AE7D-492E-9F32-2D0D4EBEAD9A}" type="slidenum">
               <a:rPr lang="fr-FR" smtClean="0"/>
+              <a:pPr/>
               <a:t>‹N°›</a:t>
             </a:fld>
             <a:endParaRPr lang="fr-FR"/>
@@ -461,6 +465,7 @@
           <a:p>
             <a:fld id="{0B4CB7A5-8BCA-46DF-BDAC-05624F8DA9EF}" type="datetimeFigureOut">
               <a:rPr lang="fr-FR" smtClean="0"/>
+              <a:pPr/>
               <a:t>09/02/2022</a:t>
             </a:fld>
             <a:endParaRPr lang="fr-FR"/>
@@ -503,6 +508,7 @@
           <a:p>
             <a:fld id="{61D4C43A-AE7D-492E-9F32-2D0D4EBEAD9A}" type="slidenum">
               <a:rPr lang="fr-FR" smtClean="0"/>
+              <a:pPr/>
               <a:t>‹N°›</a:t>
             </a:fld>
             <a:endParaRPr lang="fr-FR"/>
@@ -636,6 +642,7 @@
           <a:p>
             <a:fld id="{0B4CB7A5-8BCA-46DF-BDAC-05624F8DA9EF}" type="datetimeFigureOut">
               <a:rPr lang="fr-FR" smtClean="0"/>
+              <a:pPr/>
               <a:t>09/02/2022</a:t>
             </a:fld>
             <a:endParaRPr lang="fr-FR"/>
@@ -678,6 +685,7 @@
           <a:p>
             <a:fld id="{61D4C43A-AE7D-492E-9F32-2D0D4EBEAD9A}" type="slidenum">
               <a:rPr lang="fr-FR" smtClean="0"/>
+              <a:pPr/>
               <a:t>‹N°›</a:t>
             </a:fld>
             <a:endParaRPr lang="fr-FR"/>
@@ -801,6 +809,7 @@
           <a:p>
             <a:fld id="{0B4CB7A5-8BCA-46DF-BDAC-05624F8DA9EF}" type="datetimeFigureOut">
               <a:rPr lang="fr-FR" smtClean="0"/>
+              <a:pPr/>
               <a:t>09/02/2022</a:t>
             </a:fld>
             <a:endParaRPr lang="fr-FR"/>
@@ -843,6 +852,7 @@
           <a:p>
             <a:fld id="{61D4C43A-AE7D-492E-9F32-2D0D4EBEAD9A}" type="slidenum">
               <a:rPr lang="fr-FR" smtClean="0"/>
+              <a:pPr/>
               <a:t>‹N°›</a:t>
             </a:fld>
             <a:endParaRPr lang="fr-FR"/>
@@ -1042,6 +1052,7 @@
           <a:p>
             <a:fld id="{0B4CB7A5-8BCA-46DF-BDAC-05624F8DA9EF}" type="datetimeFigureOut">
               <a:rPr lang="fr-FR" smtClean="0"/>
+              <a:pPr/>
               <a:t>09/02/2022</a:t>
             </a:fld>
             <a:endParaRPr lang="fr-FR"/>
@@ -1084,6 +1095,7 @@
           <a:p>
             <a:fld id="{61D4C43A-AE7D-492E-9F32-2D0D4EBEAD9A}" type="slidenum">
               <a:rPr lang="fr-FR" smtClean="0"/>
+              <a:pPr/>
               <a:t>‹N°›</a:t>
             </a:fld>
             <a:endParaRPr lang="fr-FR"/>
@@ -1325,6 +1337,7 @@
           <a:p>
             <a:fld id="{0B4CB7A5-8BCA-46DF-BDAC-05624F8DA9EF}" type="datetimeFigureOut">
               <a:rPr lang="fr-FR" smtClean="0"/>
+              <a:pPr/>
               <a:t>09/02/2022</a:t>
             </a:fld>
             <a:endParaRPr lang="fr-FR"/>
@@ -1367,6 +1380,7 @@
           <a:p>
             <a:fld id="{61D4C43A-AE7D-492E-9F32-2D0D4EBEAD9A}" type="slidenum">
               <a:rPr lang="fr-FR" smtClean="0"/>
+              <a:pPr/>
               <a:t>‹N°›</a:t>
             </a:fld>
             <a:endParaRPr lang="fr-FR"/>
@@ -1742,6 +1756,7 @@
           <a:p>
             <a:fld id="{0B4CB7A5-8BCA-46DF-BDAC-05624F8DA9EF}" type="datetimeFigureOut">
               <a:rPr lang="fr-FR" smtClean="0"/>
+              <a:pPr/>
               <a:t>09/02/2022</a:t>
             </a:fld>
             <a:endParaRPr lang="fr-FR"/>
@@ -1784,6 +1799,7 @@
           <a:p>
             <a:fld id="{61D4C43A-AE7D-492E-9F32-2D0D4EBEAD9A}" type="slidenum">
               <a:rPr lang="fr-FR" smtClean="0"/>
+              <a:pPr/>
               <a:t>‹N°›</a:t>
             </a:fld>
             <a:endParaRPr lang="fr-FR"/>
@@ -1855,6 +1871,7 @@
           <a:p>
             <a:fld id="{0B4CB7A5-8BCA-46DF-BDAC-05624F8DA9EF}" type="datetimeFigureOut">
               <a:rPr lang="fr-FR" smtClean="0"/>
+              <a:pPr/>
               <a:t>09/02/2022</a:t>
             </a:fld>
             <a:endParaRPr lang="fr-FR"/>
@@ -1897,6 +1914,7 @@
           <a:p>
             <a:fld id="{61D4C43A-AE7D-492E-9F32-2D0D4EBEAD9A}" type="slidenum">
               <a:rPr lang="fr-FR" smtClean="0"/>
+              <a:pPr/>
               <a:t>‹N°›</a:t>
             </a:fld>
             <a:endParaRPr lang="fr-FR"/>
@@ -1945,6 +1963,7 @@
           <a:p>
             <a:fld id="{0B4CB7A5-8BCA-46DF-BDAC-05624F8DA9EF}" type="datetimeFigureOut">
               <a:rPr lang="fr-FR" smtClean="0"/>
+              <a:pPr/>
               <a:t>09/02/2022</a:t>
             </a:fld>
             <a:endParaRPr lang="fr-FR"/>
@@ -1987,6 +2006,7 @@
           <a:p>
             <a:fld id="{61D4C43A-AE7D-492E-9F32-2D0D4EBEAD9A}" type="slidenum">
               <a:rPr lang="fr-FR" smtClean="0"/>
+              <a:pPr/>
               <a:t>‹N°›</a:t>
             </a:fld>
             <a:endParaRPr lang="fr-FR"/>
@@ -2217,6 +2237,7 @@
           <a:p>
             <a:fld id="{0B4CB7A5-8BCA-46DF-BDAC-05624F8DA9EF}" type="datetimeFigureOut">
               <a:rPr lang="fr-FR" smtClean="0"/>
+              <a:pPr/>
               <a:t>09/02/2022</a:t>
             </a:fld>
             <a:endParaRPr lang="fr-FR"/>
@@ -2259,6 +2280,7 @@
           <a:p>
             <a:fld id="{61D4C43A-AE7D-492E-9F32-2D0D4EBEAD9A}" type="slidenum">
               <a:rPr lang="fr-FR" smtClean="0"/>
+              <a:pPr/>
               <a:t>‹N°›</a:t>
             </a:fld>
             <a:endParaRPr lang="fr-FR"/>
@@ -2465,6 +2487,7 @@
           <a:p>
             <a:fld id="{0B4CB7A5-8BCA-46DF-BDAC-05624F8DA9EF}" type="datetimeFigureOut">
               <a:rPr lang="fr-FR" smtClean="0"/>
+              <a:pPr/>
               <a:t>09/02/2022</a:t>
             </a:fld>
             <a:endParaRPr lang="fr-FR"/>
@@ -2507,6 +2530,7 @@
           <a:p>
             <a:fld id="{61D4C43A-AE7D-492E-9F32-2D0D4EBEAD9A}" type="slidenum">
               <a:rPr lang="fr-FR" smtClean="0"/>
+              <a:pPr/>
               <a:t>‹N°›</a:t>
             </a:fld>
             <a:endParaRPr lang="fr-FR"/>
@@ -2673,6 +2697,7 @@
           <a:p>
             <a:fld id="{0B4CB7A5-8BCA-46DF-BDAC-05624F8DA9EF}" type="datetimeFigureOut">
               <a:rPr lang="fr-FR" smtClean="0"/>
+              <a:pPr/>
               <a:t>09/02/2022</a:t>
             </a:fld>
             <a:endParaRPr lang="fr-FR"/>
@@ -2751,6 +2776,7 @@
           <a:p>
             <a:fld id="{61D4C43A-AE7D-492E-9F32-2D0D4EBEAD9A}" type="slidenum">
               <a:rPr lang="fr-FR" smtClean="0"/>
+              <a:pPr/>
               <a:t>‹N°›</a:t>
             </a:fld>
             <a:endParaRPr lang="fr-FR"/>
@@ -3089,6 +3115,225 @@
 </p:sld>
 </file>
 
+<file path=ppt/slides/slide10.xml><?xml version="1.0" encoding="utf-8"?>
+<p:sld xmlns:a="http://schemas.openxmlformats.org/drawingml/2006/main" xmlns:r="http://schemas.openxmlformats.org/officeDocument/2006/relationships" xmlns:p="http://schemas.openxmlformats.org/presentationml/2006/main">
+  <p:cSld>
+    <p:spTree>
+      <p:nvGrpSpPr>
+        <p:cNvPr id="1" name=""/>
+        <p:cNvGrpSpPr/>
+        <p:nvPr/>
+      </p:nvGrpSpPr>
+      <p:grpSpPr>
+        <a:xfrm>
+          <a:off x="0" y="0"/>
+          <a:ext cx="0" cy="0"/>
+          <a:chOff x="0" y="0"/>
+          <a:chExt cx="0" cy="0"/>
+        </a:xfrm>
+      </p:grpSpPr>
+      <p:sp>
+        <p:nvSpPr>
+          <p:cNvPr id="3" name="Espace réservé du contenu 2"/>
+          <p:cNvSpPr>
+            <a:spLocks noGrp="1"/>
+          </p:cNvSpPr>
+          <p:nvPr>
+            <p:ph idx="1"/>
+          </p:nvPr>
+        </p:nvSpPr>
+        <p:spPr>
+          <a:xfrm>
+            <a:off x="428596" y="285728"/>
+            <a:ext cx="8229600" cy="6143668"/>
+          </a:xfrm>
+        </p:spPr>
+        <p:txBody>
+          <a:bodyPr>
+            <a:normAutofit fontScale="92500" lnSpcReduction="20000"/>
+          </a:bodyPr>
+          <a:lstStyle/>
+          <a:p>
+            <a:r>
+              <a:rPr lang="fr-FR" dirty="0" err="1" smtClean="0"/>
+              <a:t>ngOnChanges</a:t>
+            </a:r>
+            <a:r>
+              <a:rPr lang="fr-FR" dirty="0" smtClean="0"/>
+              <a:t>: appelé lorsqu’une propriété input est définie ou bien modifiée. Un objet est passé en paramètre et possède des informations sur le changement de la propriété.</a:t>
+            </a:r>
+          </a:p>
+          <a:p>
+            <a:r>
+              <a:rPr lang="fr-FR" dirty="0" err="1" smtClean="0"/>
+              <a:t>ngDoCheck</a:t>
+            </a:r>
+            <a:r>
+              <a:rPr lang="fr-FR" dirty="0" smtClean="0"/>
+              <a:t>: </a:t>
+            </a:r>
+            <a:r>
+              <a:rPr lang="fr-FR" dirty="0" err="1" smtClean="0"/>
+              <a:t>detecte</a:t>
+            </a:r>
+            <a:r>
+              <a:rPr lang="fr-FR" dirty="0" smtClean="0"/>
+              <a:t> les changements</a:t>
+            </a:r>
+          </a:p>
+          <a:p>
+            <a:r>
+              <a:rPr lang="fr-FR" dirty="0" err="1" smtClean="0"/>
+              <a:t>ngAfterContentInit</a:t>
+            </a:r>
+            <a:r>
+              <a:rPr lang="fr-FR" dirty="0" smtClean="0"/>
+              <a:t>: appelé après le premier </a:t>
+            </a:r>
+            <a:r>
+              <a:rPr lang="fr-FR" dirty="0" err="1" smtClean="0"/>
+              <a:t>ngDoCheck.Ce</a:t>
+            </a:r>
+            <a:r>
+              <a:rPr lang="fr-FR" dirty="0" smtClean="0"/>
+              <a:t> </a:t>
+            </a:r>
+            <a:r>
+              <a:rPr lang="fr-FR" dirty="0" err="1" smtClean="0"/>
+              <a:t>hook</a:t>
+            </a:r>
+            <a:r>
+              <a:rPr lang="fr-FR" dirty="0" smtClean="0"/>
+              <a:t> est levé une fois que le contenu externe est bien projeté dans le composant: on parle de </a:t>
+            </a:r>
+            <a:r>
+              <a:rPr lang="fr-FR" dirty="0" err="1" smtClean="0"/>
+              <a:t>transclusion</a:t>
+            </a:r>
+            <a:r>
+              <a:rPr lang="fr-FR" dirty="0" smtClean="0"/>
+              <a:t>.</a:t>
+            </a:r>
+          </a:p>
+          <a:p>
+            <a:r>
+              <a:rPr lang="fr-FR" dirty="0" err="1" smtClean="0"/>
+              <a:t>ngAfterContentChecked</a:t>
+            </a:r>
+            <a:r>
+              <a:rPr lang="fr-FR" dirty="0" smtClean="0"/>
+              <a:t>: ce </a:t>
+            </a:r>
+            <a:r>
+              <a:rPr lang="fr-FR" dirty="0" err="1" smtClean="0"/>
+              <a:t>hook</a:t>
+            </a:r>
+            <a:r>
+              <a:rPr lang="fr-FR" dirty="0" smtClean="0"/>
+              <a:t> est appelé après chaque vérification du contenue projeté</a:t>
+            </a:r>
+          </a:p>
+          <a:p>
+            <a:r>
+              <a:rPr lang="fr-FR" dirty="0" err="1" smtClean="0"/>
+              <a:t>ngAfterViewInit</a:t>
+            </a:r>
+            <a:endParaRPr lang="fr-FR" dirty="0" smtClean="0"/>
+          </a:p>
+          <a:p>
+            <a:r>
+              <a:rPr lang="fr-FR" dirty="0" err="1" smtClean="0"/>
+              <a:t>ngAfterViewChecked</a:t>
+            </a:r>
+            <a:endParaRPr lang="fr-FR" dirty="0" smtClean="0"/>
+          </a:p>
+          <a:p>
+            <a:r>
+              <a:rPr lang="fr-FR" dirty="0" err="1" smtClean="0"/>
+              <a:t>ngOnDestroy</a:t>
+            </a:r>
+            <a:endParaRPr lang="fr-FR" dirty="0" smtClean="0"/>
+          </a:p>
+          <a:p>
+            <a:endParaRPr lang="fr-FR" dirty="0"/>
+          </a:p>
+        </p:txBody>
+      </p:sp>
+    </p:spTree>
+  </p:cSld>
+  <p:clrMapOvr>
+    <a:masterClrMapping/>
+  </p:clrMapOvr>
+</p:sld>
+</file>
+
+<file path=ppt/slides/slide11.xml><?xml version="1.0" encoding="utf-8"?>
+<p:sld xmlns:a="http://schemas.openxmlformats.org/drawingml/2006/main" xmlns:r="http://schemas.openxmlformats.org/officeDocument/2006/relationships" xmlns:p="http://schemas.openxmlformats.org/presentationml/2006/main">
+  <p:cSld>
+    <p:spTree>
+      <p:nvGrpSpPr>
+        <p:cNvPr id="1" name=""/>
+        <p:cNvGrpSpPr/>
+        <p:nvPr/>
+      </p:nvGrpSpPr>
+      <p:grpSpPr>
+        <a:xfrm>
+          <a:off x="0" y="0"/>
+          <a:ext cx="0" cy="0"/>
+          <a:chOff x="0" y="0"/>
+          <a:chExt cx="0" cy="0"/>
+        </a:xfrm>
+      </p:grpSpPr>
+      <p:sp>
+        <p:nvSpPr>
+          <p:cNvPr id="2" name="Titre 1"/>
+          <p:cNvSpPr>
+            <a:spLocks noGrp="1"/>
+          </p:cNvSpPr>
+          <p:nvPr>
+            <p:ph type="title"/>
+          </p:nvPr>
+        </p:nvSpPr>
+        <p:spPr/>
+        <p:txBody>
+          <a:bodyPr/>
+          <a:lstStyle/>
+          <a:p>
+            <a:endParaRPr lang="fr-FR"/>
+          </a:p>
+        </p:txBody>
+      </p:sp>
+      <p:pic>
+        <p:nvPicPr>
+          <p:cNvPr id="4" name="Espace réservé du contenu 3" descr="hooks.jpg"/>
+          <p:cNvPicPr>
+            <a:picLocks noGrp="1" noChangeAspect="1"/>
+          </p:cNvPicPr>
+          <p:nvPr>
+            <p:ph idx="1"/>
+          </p:nvPr>
+        </p:nvPicPr>
+        <p:blipFill>
+          <a:blip r:embed="rId2"/>
+          <a:stretch>
+            <a:fillRect/>
+          </a:stretch>
+        </p:blipFill>
+        <p:spPr>
+          <a:xfrm>
+            <a:off x="2667000" y="1653381"/>
+            <a:ext cx="3810000" cy="4419600"/>
+          </a:xfrm>
+        </p:spPr>
+      </p:pic>
+    </p:spTree>
+  </p:cSld>
+  <p:clrMapOvr>
+    <a:masterClrMapping/>
+  </p:clrMapOvr>
+</p:sld>
+</file>
+
 <file path=ppt/slides/slide2.xml><?xml version="1.0" encoding="utf-8"?>
 <p:sld xmlns:a="http://schemas.openxmlformats.org/drawingml/2006/main" xmlns:r="http://schemas.openxmlformats.org/officeDocument/2006/relationships" xmlns:p="http://schemas.openxmlformats.org/presentationml/2006/main">
   <p:cSld>
@@ -3280,7 +3525,6 @@
               <a:rPr lang="fr-FR" dirty="0" smtClean="0"/>
               <a:t> et cas d’utilisation :</a:t>
             </a:r>
-            <a:endParaRPr lang="fr-FR" dirty="0" smtClean="0"/>
           </a:p>
         </p:txBody>
       </p:sp>
@@ -3644,165 +3888,33 @@
           <a:bodyPr/>
           <a:lstStyle/>
           <a:p>
-            <a:r>
-              <a:rPr lang="fr-FR" dirty="0" err="1" smtClean="0"/>
-              <a:t>Interceptor</a:t>
-            </a:r>
-            <a:endParaRPr lang="fr-FR" dirty="0"/>
-          </a:p>
-        </p:txBody>
-      </p:sp>
-      <p:sp>
-        <p:nvSpPr>
-          <p:cNvPr id="3" name="Espace réservé du contenu 2"/>
-          <p:cNvSpPr>
-            <a:spLocks noGrp="1"/>
-          </p:cNvSpPr>
+            <a:endParaRPr lang="fr-FR"/>
+          </a:p>
+        </p:txBody>
+      </p:sp>
+      <p:pic>
+        <p:nvPicPr>
+          <p:cNvPr id="4" name="Espace réservé du contenu 3" descr="guards.png"/>
+          <p:cNvPicPr>
+            <a:picLocks noGrp="1" noChangeAspect="1"/>
+          </p:cNvPicPr>
           <p:nvPr>
             <p:ph idx="1"/>
           </p:nvPr>
-        </p:nvSpPr>
+        </p:nvPicPr>
+        <p:blipFill>
+          <a:blip r:embed="rId2"/>
+          <a:stretch>
+            <a:fillRect/>
+          </a:stretch>
+        </p:blipFill>
         <p:spPr>
           <a:xfrm>
-            <a:off x="457200" y="2100266"/>
-            <a:ext cx="8229600" cy="2185990"/>
+            <a:off x="548922" y="1600200"/>
+            <a:ext cx="8046156" cy="4525963"/>
           </a:xfrm>
         </p:spPr>
-        <p:txBody>
-          <a:bodyPr/>
-          <a:lstStyle/>
-          <a:p>
-            <a:r>
-              <a:rPr lang="fr-FR" dirty="0" err="1" smtClean="0"/>
-              <a:t>Allows</a:t>
-            </a:r>
-            <a:r>
-              <a:rPr lang="fr-FR" dirty="0" smtClean="0"/>
-              <a:t> us to </a:t>
-            </a:r>
-            <a:r>
-              <a:rPr lang="fr-FR" dirty="0" err="1" smtClean="0"/>
-              <a:t>modify</a:t>
-            </a:r>
-            <a:r>
-              <a:rPr lang="fr-FR" dirty="0" smtClean="0"/>
-              <a:t> the header, body of the </a:t>
-            </a:r>
-            <a:r>
-              <a:rPr lang="fr-FR" dirty="0" err="1" smtClean="0"/>
-              <a:t>reqyest</a:t>
-            </a:r>
-            <a:r>
-              <a:rPr lang="fr-FR" dirty="0" smtClean="0"/>
-              <a:t> </a:t>
-            </a:r>
-            <a:r>
-              <a:rPr lang="fr-FR" dirty="0" err="1" smtClean="0"/>
-              <a:t>which</a:t>
-            </a:r>
-            <a:r>
-              <a:rPr lang="fr-FR" dirty="0" smtClean="0"/>
-              <a:t> </a:t>
-            </a:r>
-            <a:r>
-              <a:rPr lang="fr-FR" dirty="0" err="1" smtClean="0"/>
-              <a:t>will</a:t>
-            </a:r>
-            <a:r>
-              <a:rPr lang="fr-FR" dirty="0" smtClean="0"/>
-              <a:t> </a:t>
-            </a:r>
-            <a:r>
-              <a:rPr lang="fr-FR" dirty="0" err="1" smtClean="0"/>
-              <a:t>apply</a:t>
-            </a:r>
-            <a:r>
-              <a:rPr lang="fr-FR" dirty="0" smtClean="0"/>
-              <a:t> to all </a:t>
-            </a:r>
-            <a:r>
-              <a:rPr lang="fr-FR" dirty="0" err="1" smtClean="0"/>
-              <a:t>requests</a:t>
-            </a:r>
-            <a:r>
-              <a:rPr lang="fr-FR" dirty="0" smtClean="0"/>
-              <a:t> </a:t>
-            </a:r>
-            <a:r>
-              <a:rPr lang="fr-FR" dirty="0" err="1" smtClean="0"/>
-              <a:t>from</a:t>
-            </a:r>
-            <a:r>
-              <a:rPr lang="fr-FR" dirty="0" smtClean="0"/>
-              <a:t> the single file of code. </a:t>
-            </a:r>
-            <a:r>
-              <a:rPr lang="fr-FR" dirty="0" err="1" smtClean="0"/>
-              <a:t>Also</a:t>
-            </a:r>
-            <a:r>
-              <a:rPr lang="fr-FR" dirty="0" smtClean="0"/>
-              <a:t> </a:t>
-            </a:r>
-            <a:r>
-              <a:rPr lang="fr-FR" dirty="0" err="1" smtClean="0"/>
-              <a:t>helpful</a:t>
-            </a:r>
-            <a:r>
-              <a:rPr lang="fr-FR" dirty="0" smtClean="0"/>
-              <a:t> </a:t>
-            </a:r>
-            <a:r>
-              <a:rPr lang="fr-FR" dirty="0" err="1" smtClean="0"/>
-              <a:t>when</a:t>
-            </a:r>
-            <a:r>
-              <a:rPr lang="fr-FR" dirty="0" smtClean="0"/>
-              <a:t> </a:t>
-            </a:r>
-            <a:r>
-              <a:rPr lang="fr-FR" dirty="0" err="1" smtClean="0"/>
-              <a:t>we</a:t>
-            </a:r>
-            <a:r>
-              <a:rPr lang="fr-FR" dirty="0" smtClean="0"/>
-              <a:t> </a:t>
-            </a:r>
-            <a:r>
-              <a:rPr lang="fr-FR" dirty="0" err="1" smtClean="0"/>
-              <a:t>want</a:t>
-            </a:r>
-            <a:r>
-              <a:rPr lang="fr-FR" dirty="0" smtClean="0"/>
-              <a:t> format the </a:t>
-            </a:r>
-            <a:r>
-              <a:rPr lang="fr-FR" dirty="0" err="1" smtClean="0"/>
-              <a:t>response</a:t>
-            </a:r>
-            <a:r>
-              <a:rPr lang="fr-FR" dirty="0" smtClean="0"/>
-              <a:t> </a:t>
-            </a:r>
-            <a:r>
-              <a:rPr lang="fr-FR" dirty="0" err="1" smtClean="0"/>
-              <a:t>from</a:t>
-            </a:r>
-            <a:r>
-              <a:rPr lang="fr-FR" dirty="0" smtClean="0"/>
-              <a:t> http </a:t>
-            </a:r>
-            <a:r>
-              <a:rPr lang="fr-FR" dirty="0" err="1" smtClean="0"/>
-              <a:t>request</a:t>
-            </a:r>
-            <a:r>
-              <a:rPr lang="fr-FR" dirty="0" smtClean="0"/>
-              <a:t>.</a:t>
-            </a:r>
-          </a:p>
-        </p:txBody>
-      </p:sp>
+      </p:pic>
     </p:spTree>
   </p:cSld>
   <p:clrMapOvr>
@@ -3830,6 +3942,29 @@
       </p:grpSpPr>
       <p:sp>
         <p:nvSpPr>
+          <p:cNvPr id="2" name="Titre 1"/>
+          <p:cNvSpPr>
+            <a:spLocks noGrp="1"/>
+          </p:cNvSpPr>
+          <p:nvPr>
+            <p:ph type="title"/>
+          </p:nvPr>
+        </p:nvSpPr>
+        <p:spPr/>
+        <p:txBody>
+          <a:bodyPr/>
+          <a:lstStyle/>
+          <a:p>
+            <a:r>
+              <a:rPr lang="fr-FR" dirty="0" err="1" smtClean="0"/>
+              <a:t>Interceptor</a:t>
+            </a:r>
+            <a:endParaRPr lang="fr-FR" dirty="0"/>
+          </a:p>
+        </p:txBody>
+      </p:sp>
+      <p:sp>
+        <p:nvSpPr>
           <p:cNvPr id="3" name="Espace réservé du contenu 2"/>
           <p:cNvSpPr>
             <a:spLocks noGrp="1"/>
@@ -3838,14 +3973,35 @@
             <p:ph idx="1"/>
           </p:nvPr>
         </p:nvSpPr>
-        <p:spPr/>
-        <p:txBody>
-          <a:bodyPr/>
-          <a:lstStyle/>
-          <a:p>
-            <a:r>
-              <a:rPr lang="fr-FR" dirty="0" err="1" smtClean="0"/>
-              <a:t>Add</a:t>
+        <p:spPr>
+          <a:xfrm>
+            <a:off x="428596" y="1357298"/>
+            <a:ext cx="8229600" cy="2185990"/>
+          </a:xfrm>
+        </p:spPr>
+        <p:txBody>
+          <a:bodyPr/>
+          <a:lstStyle/>
+          <a:p>
+            <a:r>
+              <a:rPr lang="fr-FR" dirty="0" err="1" smtClean="0"/>
+              <a:t>Allows</a:t>
+            </a:r>
+            <a:r>
+              <a:rPr lang="fr-FR" dirty="0" smtClean="0"/>
+              <a:t> us to </a:t>
+            </a:r>
+            <a:r>
+              <a:rPr lang="fr-FR" dirty="0" err="1" smtClean="0"/>
+              <a:t>modify</a:t>
+            </a:r>
+            <a:r>
+              <a:rPr lang="fr-FR" dirty="0" smtClean="0"/>
+              <a:t> the header, body of the </a:t>
+            </a:r>
+            <a:r>
+              <a:rPr lang="fr-FR" dirty="0" err="1" smtClean="0"/>
+              <a:t>reqyest</a:t>
             </a:r>
             <a:r>
               <a:rPr lang="fr-FR" dirty="0" smtClean="0"/>
@@ -3853,7 +4009,7 @@
             </a:r>
             <a:r>
               <a:rPr lang="fr-FR" dirty="0" err="1" smtClean="0"/>
-              <a:t>auth</a:t>
+              <a:t>which</a:t>
             </a:r>
             <a:r>
               <a:rPr lang="fr-FR" dirty="0" smtClean="0"/>
@@ -3861,23 +4017,87 @@
             </a:r>
             <a:r>
               <a:rPr lang="fr-FR" dirty="0" err="1" smtClean="0"/>
-              <a:t>token</a:t>
-            </a:r>
-            <a:r>
-              <a:rPr lang="fr-FR" dirty="0" smtClean="0"/>
-              <a:t> or </a:t>
-            </a:r>
-            <a:r>
-              <a:rPr lang="fr-FR" dirty="0" err="1" smtClean="0"/>
-              <a:t>some</a:t>
-            </a:r>
-            <a:r>
-              <a:rPr lang="fr-FR" dirty="0" smtClean="0"/>
-              <a:t> custom http header for all </a:t>
-            </a:r>
-            <a:r>
-              <a:rPr lang="fr-FR" dirty="0" err="1" smtClean="0"/>
-              <a:t>outgoing</a:t>
+              <a:t>will</a:t>
+            </a:r>
+            <a:r>
+              <a:rPr lang="fr-FR" dirty="0" smtClean="0"/>
+              <a:t> </a:t>
+            </a:r>
+            <a:r>
+              <a:rPr lang="fr-FR" dirty="0" err="1" smtClean="0"/>
+              <a:t>apply</a:t>
+            </a:r>
+            <a:r>
+              <a:rPr lang="fr-FR" dirty="0" smtClean="0"/>
+              <a:t> to all </a:t>
+            </a:r>
+            <a:r>
+              <a:rPr lang="fr-FR" dirty="0" err="1" smtClean="0"/>
+              <a:t>requests</a:t>
+            </a:r>
+            <a:r>
+              <a:rPr lang="fr-FR" dirty="0" smtClean="0"/>
+              <a:t> </a:t>
+            </a:r>
+            <a:r>
+              <a:rPr lang="fr-FR" dirty="0" err="1" smtClean="0"/>
+              <a:t>from</a:t>
+            </a:r>
+            <a:r>
+              <a:rPr lang="fr-FR" dirty="0" smtClean="0"/>
+              <a:t> the single file of code. </a:t>
+            </a:r>
+            <a:r>
+              <a:rPr lang="fr-FR" dirty="0" err="1" smtClean="0"/>
+              <a:t>Also</a:t>
+            </a:r>
+            <a:r>
+              <a:rPr lang="fr-FR" dirty="0" smtClean="0"/>
+              <a:t> </a:t>
+            </a:r>
+            <a:r>
+              <a:rPr lang="fr-FR" dirty="0" err="1" smtClean="0"/>
+              <a:t>helpful</a:t>
+            </a:r>
+            <a:r>
+              <a:rPr lang="fr-FR" dirty="0" smtClean="0"/>
+              <a:t> </a:t>
+            </a:r>
+            <a:r>
+              <a:rPr lang="fr-FR" dirty="0" err="1" smtClean="0"/>
+              <a:t>when</a:t>
+            </a:r>
+            <a:r>
+              <a:rPr lang="fr-FR" dirty="0" smtClean="0"/>
+              <a:t> </a:t>
+            </a:r>
+            <a:r>
+              <a:rPr lang="fr-FR" dirty="0" err="1" smtClean="0"/>
+              <a:t>we</a:t>
+            </a:r>
+            <a:r>
+              <a:rPr lang="fr-FR" dirty="0" smtClean="0"/>
+              <a:t> </a:t>
+            </a:r>
+            <a:r>
+              <a:rPr lang="fr-FR" dirty="0" err="1" smtClean="0"/>
+              <a:t>want</a:t>
+            </a:r>
+            <a:r>
+              <a:rPr lang="fr-FR" dirty="0" smtClean="0"/>
+              <a:t> format the </a:t>
+            </a:r>
+            <a:r>
+              <a:rPr lang="fr-FR" dirty="0" err="1" smtClean="0"/>
+              <a:t>response</a:t>
+            </a:r>
+            <a:r>
+              <a:rPr lang="fr-FR" dirty="0" smtClean="0"/>
+              <a:t> </a:t>
+            </a:r>
+            <a:r>
+              <a:rPr lang="fr-FR" dirty="0" err="1" smtClean="0"/>
+              <a:t>from</a:t>
             </a:r>
             <a:r>
               <a:rPr lang="fr-FR" dirty="0" smtClean="0"/>
@@ -3892,170 +4112,32 @@
               <a:t>.</a:t>
             </a:r>
           </a:p>
-          <a:p>
-            <a:r>
-              <a:rPr lang="fr-FR" dirty="0" smtClean="0"/>
-              <a:t>Catch </a:t>
-            </a:r>
-            <a:r>
-              <a:rPr lang="fr-FR" dirty="0" err="1" smtClean="0"/>
-              <a:t>responses</a:t>
-            </a:r>
-            <a:r>
-              <a:rPr lang="fr-FR" dirty="0" smtClean="0"/>
-              <a:t> to do </a:t>
-            </a:r>
-            <a:r>
-              <a:rPr lang="fr-FR" dirty="0" err="1" smtClean="0"/>
-              <a:t>some</a:t>
-            </a:r>
-            <a:r>
-              <a:rPr lang="fr-FR" dirty="0" smtClean="0"/>
-              <a:t> </a:t>
-            </a:r>
-            <a:r>
-              <a:rPr lang="fr-FR" dirty="0" err="1" smtClean="0"/>
-              <a:t>cutom</a:t>
-            </a:r>
-            <a:r>
-              <a:rPr lang="fr-FR" dirty="0" smtClean="0"/>
-              <a:t> </a:t>
-            </a:r>
-            <a:r>
-              <a:rPr lang="fr-FR" dirty="0" err="1" smtClean="0"/>
-              <a:t>formatting</a:t>
-            </a:r>
-            <a:r>
-              <a:rPr lang="fr-FR" dirty="0" smtClean="0"/>
-              <a:t> </a:t>
-            </a:r>
-            <a:r>
-              <a:rPr lang="fr-FR" dirty="0" err="1" smtClean="0"/>
-              <a:t>before</a:t>
-            </a:r>
-            <a:r>
-              <a:rPr lang="fr-FR" dirty="0" smtClean="0"/>
-              <a:t> </a:t>
-            </a:r>
-            <a:r>
-              <a:rPr lang="fr-FR" dirty="0" err="1" smtClean="0"/>
-              <a:t>transferring</a:t>
-            </a:r>
-            <a:r>
-              <a:rPr lang="fr-FR" dirty="0" smtClean="0"/>
-              <a:t> the data to the service/component.</a:t>
-            </a:r>
-          </a:p>
-          <a:p>
-            <a:r>
-              <a:rPr lang="fr-FR" dirty="0" err="1" smtClean="0"/>
-              <a:t>Print</a:t>
-            </a:r>
-            <a:r>
-              <a:rPr lang="fr-FR" dirty="0" smtClean="0"/>
-              <a:t> all http </a:t>
-            </a:r>
-            <a:r>
-              <a:rPr lang="fr-FR" dirty="0" err="1" smtClean="0"/>
-              <a:t>request</a:t>
-            </a:r>
-            <a:r>
-              <a:rPr lang="fr-FR" dirty="0" smtClean="0"/>
-              <a:t> in the console  </a:t>
-            </a:r>
-            <a:endParaRPr lang="fr-FR" dirty="0"/>
-          </a:p>
-        </p:txBody>
-      </p:sp>
-      <p:sp>
-        <p:nvSpPr>
-          <p:cNvPr id="4" name="Titre 1"/>
-          <p:cNvSpPr txBox="1">
-            <a:spLocks noGrp="1"/>
-          </p:cNvSpPr>
-          <p:nvPr>
-            <p:ph type="title"/>
-          </p:nvPr>
-        </p:nvSpPr>
+        </p:txBody>
+      </p:sp>
+      <p:pic>
+        <p:nvPicPr>
+          <p:cNvPr id="4" name="Image 3" descr="interceptor.png"/>
+          <p:cNvPicPr>
+            <a:picLocks noChangeAspect="1"/>
+          </p:cNvPicPr>
+          <p:nvPr/>
+        </p:nvPicPr>
+        <p:blipFill>
+          <a:blip r:embed="rId2"/>
+          <a:stretch>
+            <a:fillRect/>
+          </a:stretch>
+        </p:blipFill>
         <p:spPr>
+          <a:xfrm>
+            <a:off x="428596" y="3714752"/>
+            <a:ext cx="8196283" cy="2143140"/>
+          </a:xfrm>
           <a:prstGeom prst="rect">
             <a:avLst/>
           </a:prstGeom>
         </p:spPr>
-        <p:txBody>
-          <a:bodyPr vert="horz" lIns="91440" tIns="45720" rIns="91440" bIns="45720" rtlCol="0" anchor="ctr">
-            <a:normAutofit/>
-          </a:bodyPr>
-          <a:lstStyle/>
-          <a:p>
-            <a:pPr marL="0" marR="0" lvl="0" indent="0" algn="ctr" defTabSz="914400" rtl="0" eaLnBrk="1" fontAlgn="auto" latinLnBrk="0" hangingPunct="1">
-              <a:lnSpc>
-                <a:spcPct val="100000"/>
-              </a:lnSpc>
-              <a:spcBef>
-                <a:spcPct val="0"/>
-              </a:spcBef>
-              <a:spcAft>
-                <a:spcPts val="0"/>
-              </a:spcAft>
-              <a:buClrTx/>
-              <a:buSzTx/>
-              <a:buFontTx/>
-              <a:buNone/>
-              <a:tabLst/>
-              <a:defRPr/>
-            </a:pPr>
-            <a:r>
-              <a:rPr kumimoji="0" lang="fr-FR" sz="4400" b="0" i="0" u="none" strike="noStrike" kern="1200" cap="none" spc="0" normalizeH="0" baseline="0" noProof="0" dirty="0" smtClean="0">
-                <a:ln>
-                  <a:noFill/>
-                </a:ln>
-                <a:solidFill>
-                  <a:schemeClr val="tx1"/>
-                </a:solidFill>
-                <a:effectLst/>
-                <a:uLnTx/>
-                <a:uFillTx/>
-                <a:latin typeface="+mj-lt"/>
-                <a:ea typeface="+mj-ea"/>
-                <a:cs typeface="+mj-cs"/>
-              </a:rPr>
-              <a:t>Use case of </a:t>
-            </a:r>
-            <a:r>
-              <a:rPr kumimoji="0" lang="fr-FR" sz="4400" b="0" i="0" u="none" strike="noStrike" kern="1200" cap="none" spc="0" normalizeH="0" baseline="0" noProof="0" dirty="0" err="1" smtClean="0">
-                <a:ln>
-                  <a:noFill/>
-                </a:ln>
-                <a:solidFill>
-                  <a:schemeClr val="tx1"/>
-                </a:solidFill>
-                <a:effectLst/>
-                <a:uLnTx/>
-                <a:uFillTx/>
-                <a:latin typeface="+mj-lt"/>
-                <a:ea typeface="+mj-ea"/>
-                <a:cs typeface="+mj-cs"/>
-              </a:rPr>
-              <a:t>Interceptor</a:t>
-            </a:r>
-            <a:endParaRPr kumimoji="0" lang="fr-FR" sz="4400" b="0" i="0" u="none" strike="noStrike" kern="1200" cap="none" spc="0" normalizeH="0" baseline="0" noProof="0" dirty="0" smtClean="0">
-              <a:ln>
-                <a:noFill/>
-              </a:ln>
-              <a:solidFill>
-                <a:schemeClr val="tx1"/>
-              </a:solidFill>
-              <a:effectLst/>
-              <a:uLnTx/>
-              <a:uFillTx/>
-              <a:latin typeface="+mj-lt"/>
-              <a:ea typeface="+mj-ea"/>
-              <a:cs typeface="+mj-cs"/>
-            </a:endParaRPr>
-          </a:p>
-        </p:txBody>
-      </p:sp>
+      </p:pic>
     </p:spTree>
   </p:cSld>
   <p:clrMapOvr>
@@ -4083,432 +4165,229 @@
       </p:grpSpPr>
       <p:sp>
         <p:nvSpPr>
-          <p:cNvPr id="2" name="Titre 1"/>
-          <p:cNvSpPr>
+          <p:cNvPr id="3" name="Espace réservé du contenu 2"/>
+          <p:cNvSpPr>
+            <a:spLocks noGrp="1"/>
+          </p:cNvSpPr>
+          <p:nvPr>
+            <p:ph idx="1"/>
+          </p:nvPr>
+        </p:nvSpPr>
+        <p:spPr/>
+        <p:txBody>
+          <a:bodyPr/>
+          <a:lstStyle/>
+          <a:p>
+            <a:r>
+              <a:rPr lang="fr-FR" dirty="0" err="1" smtClean="0"/>
+              <a:t>Add</a:t>
+            </a:r>
+            <a:r>
+              <a:rPr lang="fr-FR" dirty="0" smtClean="0"/>
+              <a:t> </a:t>
+            </a:r>
+            <a:r>
+              <a:rPr lang="fr-FR" dirty="0" err="1" smtClean="0"/>
+              <a:t>auth</a:t>
+            </a:r>
+            <a:r>
+              <a:rPr lang="fr-FR" dirty="0" smtClean="0"/>
+              <a:t> </a:t>
+            </a:r>
+            <a:r>
+              <a:rPr lang="fr-FR" dirty="0" err="1" smtClean="0"/>
+              <a:t>token</a:t>
+            </a:r>
+            <a:r>
+              <a:rPr lang="fr-FR" dirty="0" smtClean="0"/>
+              <a:t> or </a:t>
+            </a:r>
+            <a:r>
+              <a:rPr lang="fr-FR" dirty="0" err="1" smtClean="0"/>
+              <a:t>some</a:t>
+            </a:r>
+            <a:r>
+              <a:rPr lang="fr-FR" dirty="0" smtClean="0"/>
+              <a:t> custom http header for all </a:t>
+            </a:r>
+            <a:r>
+              <a:rPr lang="fr-FR" dirty="0" err="1" smtClean="0"/>
+              <a:t>outgoing</a:t>
+            </a:r>
+            <a:r>
+              <a:rPr lang="fr-FR" dirty="0" smtClean="0"/>
+              <a:t> http </a:t>
+            </a:r>
+            <a:r>
+              <a:rPr lang="fr-FR" dirty="0" err="1" smtClean="0"/>
+              <a:t>request</a:t>
+            </a:r>
+            <a:r>
+              <a:rPr lang="fr-FR" dirty="0" smtClean="0"/>
+              <a:t>.</a:t>
+            </a:r>
+          </a:p>
+          <a:p>
+            <a:r>
+              <a:rPr lang="fr-FR" dirty="0" smtClean="0"/>
+              <a:t>Catch </a:t>
+            </a:r>
+            <a:r>
+              <a:rPr lang="fr-FR" dirty="0" err="1" smtClean="0"/>
+              <a:t>responses</a:t>
+            </a:r>
+            <a:r>
+              <a:rPr lang="fr-FR" dirty="0" smtClean="0"/>
+              <a:t> to do </a:t>
+            </a:r>
+            <a:r>
+              <a:rPr lang="fr-FR" dirty="0" err="1" smtClean="0"/>
+              <a:t>some</a:t>
+            </a:r>
+            <a:r>
+              <a:rPr lang="fr-FR" dirty="0" smtClean="0"/>
+              <a:t> </a:t>
+            </a:r>
+            <a:r>
+              <a:rPr lang="fr-FR" dirty="0" err="1" smtClean="0"/>
+              <a:t>cutom</a:t>
+            </a:r>
+            <a:r>
+              <a:rPr lang="fr-FR" dirty="0" smtClean="0"/>
+              <a:t> </a:t>
+            </a:r>
+            <a:r>
+              <a:rPr lang="fr-FR" dirty="0" err="1" smtClean="0"/>
+              <a:t>formatting</a:t>
+            </a:r>
+            <a:r>
+              <a:rPr lang="fr-FR" dirty="0" smtClean="0"/>
+              <a:t> </a:t>
+            </a:r>
+            <a:r>
+              <a:rPr lang="fr-FR" dirty="0" err="1" smtClean="0"/>
+              <a:t>before</a:t>
+            </a:r>
+            <a:r>
+              <a:rPr lang="fr-FR" dirty="0" smtClean="0"/>
+              <a:t> </a:t>
+            </a:r>
+            <a:r>
+              <a:rPr lang="fr-FR" dirty="0" err="1" smtClean="0"/>
+              <a:t>transferring</a:t>
+            </a:r>
+            <a:r>
+              <a:rPr lang="fr-FR" dirty="0" smtClean="0"/>
+              <a:t> the data to the service/component.</a:t>
+            </a:r>
+          </a:p>
+          <a:p>
+            <a:r>
+              <a:rPr lang="fr-FR" dirty="0" err="1" smtClean="0"/>
+              <a:t>Print</a:t>
+            </a:r>
+            <a:r>
+              <a:rPr lang="fr-FR" dirty="0" smtClean="0"/>
+              <a:t> all http </a:t>
+            </a:r>
+            <a:r>
+              <a:rPr lang="fr-FR" dirty="0" err="1" smtClean="0"/>
+              <a:t>request</a:t>
+            </a:r>
+            <a:r>
+              <a:rPr lang="fr-FR" dirty="0" smtClean="0"/>
+              <a:t> in the console  </a:t>
+            </a:r>
+            <a:endParaRPr lang="fr-FR" dirty="0"/>
+          </a:p>
+        </p:txBody>
+      </p:sp>
+      <p:sp>
+        <p:nvSpPr>
+          <p:cNvPr id="4" name="Titre 1"/>
+          <p:cNvSpPr txBox="1">
             <a:spLocks noGrp="1"/>
           </p:cNvSpPr>
           <p:nvPr>
             <p:ph type="title"/>
           </p:nvPr>
         </p:nvSpPr>
-        <p:spPr/>
-        <p:txBody>
-          <a:bodyPr/>
-          <a:lstStyle/>
-          <a:p>
-            <a:r>
-              <a:rPr lang="fr-FR" dirty="0" err="1" smtClean="0"/>
-              <a:t>Forms</a:t>
-            </a:r>
-            <a:endParaRPr lang="fr-FR" dirty="0"/>
-          </a:p>
-        </p:txBody>
-      </p:sp>
-      <p:sp>
-        <p:nvSpPr>
-          <p:cNvPr id="8" name="Espace réservé du texte 7"/>
-          <p:cNvSpPr>
-            <a:spLocks noGrp="1"/>
-          </p:cNvSpPr>
-          <p:nvPr>
-            <p:ph type="body" idx="1"/>
-          </p:nvPr>
-        </p:nvSpPr>
-        <p:spPr/>
-        <p:txBody>
-          <a:bodyPr/>
-          <a:lstStyle/>
-          <a:p>
-            <a:r>
-              <a:rPr lang="fr-FR" dirty="0" err="1" smtClean="0"/>
-              <a:t>Reactive</a:t>
-            </a:r>
-            <a:r>
-              <a:rPr lang="fr-FR" dirty="0" smtClean="0"/>
-              <a:t> </a:t>
-            </a:r>
-            <a:r>
-              <a:rPr lang="fr-FR" dirty="0" err="1" smtClean="0"/>
-              <a:t>Form</a:t>
-            </a:r>
-            <a:endParaRPr lang="fr-FR" dirty="0"/>
-          </a:p>
-        </p:txBody>
-      </p:sp>
-      <p:sp>
-        <p:nvSpPr>
-          <p:cNvPr id="3" name="Espace réservé du contenu 2"/>
-          <p:cNvSpPr>
-            <a:spLocks noGrp="1"/>
-          </p:cNvSpPr>
-          <p:nvPr>
-            <p:ph sz="half" idx="2"/>
-          </p:nvPr>
-        </p:nvSpPr>
-        <p:spPr/>
-        <p:txBody>
-          <a:bodyPr>
-            <a:normAutofit lnSpcReduction="10000"/>
+        <p:spPr>
+          <a:prstGeom prst="rect">
+            <a:avLst/>
+          </a:prstGeom>
+        </p:spPr>
+        <p:txBody>
+          <a:bodyPr vert="horz" lIns="91440" tIns="45720" rIns="91440" bIns="45720" rtlCol="0" anchor="ctr">
+            <a:normAutofit/>
           </a:bodyPr>
           <a:lstStyle/>
           <a:p>
-            <a:r>
-              <a:rPr lang="fr-FR" dirty="0" err="1" smtClean="0"/>
-              <a:t>Provide</a:t>
-            </a:r>
-            <a:r>
-              <a:rPr lang="fr-FR" dirty="0" smtClean="0"/>
-              <a:t> a model </a:t>
-            </a:r>
-            <a:r>
-              <a:rPr lang="fr-FR" dirty="0" err="1" smtClean="0"/>
-              <a:t>driven</a:t>
-            </a:r>
-            <a:r>
-              <a:rPr lang="fr-FR" dirty="0" smtClean="0"/>
-              <a:t> </a:t>
-            </a:r>
-            <a:r>
-              <a:rPr lang="fr-FR" dirty="0" err="1" smtClean="0"/>
-              <a:t>approach</a:t>
-            </a:r>
-            <a:r>
-              <a:rPr lang="fr-FR" dirty="0" smtClean="0"/>
-              <a:t> to </a:t>
-            </a:r>
-            <a:r>
-              <a:rPr lang="fr-FR" dirty="0" err="1" smtClean="0"/>
-              <a:t>handling</a:t>
-            </a:r>
-            <a:r>
-              <a:rPr lang="fr-FR" dirty="0" smtClean="0"/>
-              <a:t> </a:t>
-            </a:r>
-            <a:r>
-              <a:rPr lang="fr-FR" dirty="0" err="1" smtClean="0"/>
-              <a:t>from</a:t>
-            </a:r>
-            <a:r>
-              <a:rPr lang="fr-FR" dirty="0" smtClean="0"/>
-              <a:t> inputs </a:t>
-            </a:r>
-            <a:r>
-              <a:rPr lang="fr-FR" dirty="0" err="1" smtClean="0"/>
-              <a:t>whose</a:t>
-            </a:r>
-            <a:r>
-              <a:rPr lang="fr-FR" dirty="0" smtClean="0"/>
-              <a:t> values change over time</a:t>
-            </a:r>
-          </a:p>
-          <a:p>
-            <a:r>
-              <a:rPr lang="fr-FR" dirty="0" err="1" smtClean="0"/>
-              <a:t>Form</a:t>
-            </a:r>
-            <a:r>
-              <a:rPr lang="fr-FR" dirty="0" smtClean="0"/>
-              <a:t> Group </a:t>
-            </a:r>
-          </a:p>
-          <a:p>
-            <a:r>
-              <a:rPr lang="fr-FR" dirty="0" err="1" smtClean="0"/>
-              <a:t>Form</a:t>
-            </a:r>
-            <a:r>
-              <a:rPr lang="fr-FR" dirty="0" smtClean="0"/>
-              <a:t> </a:t>
-            </a:r>
-            <a:r>
-              <a:rPr lang="fr-FR" dirty="0" err="1" smtClean="0"/>
-              <a:t>Array</a:t>
-            </a:r>
-            <a:endParaRPr lang="fr-FR" dirty="0" smtClean="0"/>
-          </a:p>
-          <a:p>
-            <a:r>
-              <a:rPr lang="fr-FR" dirty="0" err="1" smtClean="0"/>
-              <a:t>Form</a:t>
-            </a:r>
-            <a:r>
-              <a:rPr lang="fr-FR" dirty="0" smtClean="0"/>
-              <a:t> Control</a:t>
-            </a:r>
-          </a:p>
-          <a:p>
-            <a:r>
-              <a:rPr lang="fr-FR" dirty="0" err="1" smtClean="0"/>
-              <a:t>FormBuilder</a:t>
-            </a:r>
-            <a:endParaRPr lang="fr-FR" dirty="0" smtClean="0"/>
-          </a:p>
-          <a:p>
-            <a:r>
-              <a:rPr lang="fr-FR" dirty="0" err="1" smtClean="0"/>
-              <a:t>Validator</a:t>
-            </a:r>
-            <a:endParaRPr lang="fr-FR" dirty="0" smtClean="0"/>
-          </a:p>
-          <a:p>
-            <a:r>
-              <a:rPr lang="fr-FR" dirty="0" smtClean="0"/>
-              <a:t>No </a:t>
-            </a:r>
-            <a:r>
-              <a:rPr lang="fr-FR" dirty="0" err="1" smtClean="0"/>
-              <a:t>two</a:t>
-            </a:r>
-            <a:r>
-              <a:rPr lang="fr-FR" dirty="0" smtClean="0"/>
-              <a:t> </a:t>
-            </a:r>
-            <a:r>
-              <a:rPr lang="fr-FR" dirty="0" err="1" smtClean="0"/>
-              <a:t>way</a:t>
-            </a:r>
-            <a:r>
-              <a:rPr lang="fr-FR" dirty="0" smtClean="0"/>
-              <a:t> </a:t>
-            </a:r>
-            <a:r>
-              <a:rPr lang="fr-FR" dirty="0" err="1" smtClean="0"/>
-              <a:t>binding</a:t>
-            </a:r>
-            <a:endParaRPr lang="fr-FR" dirty="0"/>
-          </a:p>
-        </p:txBody>
-      </p:sp>
-      <p:sp>
-        <p:nvSpPr>
-          <p:cNvPr id="9" name="Espace réservé du texte 8"/>
-          <p:cNvSpPr>
-            <a:spLocks noGrp="1"/>
-          </p:cNvSpPr>
-          <p:nvPr>
-            <p:ph type="body" sz="quarter" idx="3"/>
-          </p:nvPr>
-        </p:nvSpPr>
-        <p:spPr/>
-        <p:txBody>
-          <a:bodyPr/>
-          <a:lstStyle/>
-          <a:p>
-            <a:r>
-              <a:rPr lang="fr-FR" dirty="0" smtClean="0"/>
-              <a:t>Template </a:t>
-            </a:r>
-            <a:r>
-              <a:rPr lang="fr-FR" dirty="0" err="1" smtClean="0"/>
-              <a:t>driven</a:t>
-            </a:r>
-            <a:r>
-              <a:rPr lang="fr-FR" dirty="0" smtClean="0"/>
-              <a:t> </a:t>
-            </a:r>
-            <a:r>
-              <a:rPr lang="fr-FR" dirty="0" err="1" smtClean="0"/>
-              <a:t>Forms</a:t>
-            </a:r>
-            <a:endParaRPr lang="fr-FR" dirty="0"/>
-          </a:p>
-        </p:txBody>
-      </p:sp>
-      <p:sp>
-        <p:nvSpPr>
-          <p:cNvPr id="10" name="Espace réservé du contenu 9"/>
-          <p:cNvSpPr>
-            <a:spLocks noGrp="1"/>
-          </p:cNvSpPr>
-          <p:nvPr>
-            <p:ph sz="quarter" idx="4"/>
-          </p:nvPr>
-        </p:nvSpPr>
-        <p:spPr/>
-        <p:txBody>
-          <a:bodyPr>
-            <a:normAutofit lnSpcReduction="10000"/>
-          </a:bodyPr>
-          <a:lstStyle/>
-          <a:p>
-            <a:r>
-              <a:rPr lang="fr-FR" dirty="0" smtClean="0"/>
-              <a:t>Most of the code </a:t>
-            </a:r>
-            <a:r>
-              <a:rPr lang="fr-FR" dirty="0" err="1" smtClean="0"/>
-              <a:t>is</a:t>
-            </a:r>
-            <a:r>
-              <a:rPr lang="fr-FR" dirty="0" smtClean="0"/>
-              <a:t> </a:t>
-            </a:r>
-            <a:r>
-              <a:rPr lang="fr-FR" dirty="0" err="1" smtClean="0"/>
-              <a:t>written</a:t>
-            </a:r>
-            <a:r>
-              <a:rPr lang="fr-FR" dirty="0" smtClean="0"/>
-              <a:t> on the </a:t>
-            </a:r>
-            <a:r>
-              <a:rPr lang="fr-FR" dirty="0" err="1" smtClean="0"/>
-              <a:t>template</a:t>
-            </a:r>
-            <a:endParaRPr lang="fr-FR" dirty="0"/>
-          </a:p>
-          <a:p>
-            <a:r>
-              <a:rPr lang="fr-FR" dirty="0" err="1" smtClean="0"/>
-              <a:t>When</a:t>
-            </a:r>
-            <a:r>
-              <a:rPr lang="fr-FR" dirty="0" smtClean="0"/>
-              <a:t> </a:t>
-            </a:r>
-            <a:r>
-              <a:rPr lang="fr-FR" dirty="0" err="1" smtClean="0"/>
-              <a:t>we</a:t>
-            </a:r>
-            <a:r>
-              <a:rPr lang="fr-FR" dirty="0" smtClean="0"/>
-              <a:t> have a simple </a:t>
-            </a:r>
-            <a:r>
-              <a:rPr lang="fr-FR" dirty="0" err="1" smtClean="0"/>
-              <a:t>form</a:t>
-            </a:r>
-            <a:r>
-              <a:rPr lang="fr-FR" dirty="0" smtClean="0"/>
-              <a:t> for </a:t>
-            </a:r>
-            <a:r>
-              <a:rPr lang="fr-FR" dirty="0" err="1" smtClean="0"/>
-              <a:t>which</a:t>
-            </a:r>
-            <a:r>
-              <a:rPr lang="fr-FR" dirty="0" smtClean="0"/>
-              <a:t> unit tests </a:t>
-            </a:r>
-            <a:r>
-              <a:rPr lang="fr-FR" dirty="0" err="1" smtClean="0"/>
-              <a:t>can</a:t>
-            </a:r>
-            <a:r>
-              <a:rPr lang="fr-FR" dirty="0" smtClean="0"/>
-              <a:t> </a:t>
-            </a:r>
-            <a:r>
-              <a:rPr lang="fr-FR" dirty="0" err="1" smtClean="0"/>
-              <a:t>be</a:t>
-            </a:r>
-            <a:r>
-              <a:rPr lang="fr-FR" dirty="0" smtClean="0"/>
-              <a:t> </a:t>
-            </a:r>
-            <a:r>
-              <a:rPr lang="fr-FR" dirty="0" err="1" smtClean="0"/>
-              <a:t>handled</a:t>
-            </a:r>
-            <a:r>
-              <a:rPr lang="fr-FR" dirty="0" smtClean="0"/>
-              <a:t> </a:t>
-            </a:r>
-            <a:r>
-              <a:rPr lang="fr-FR" dirty="0" err="1" smtClean="0"/>
-              <a:t>with</a:t>
-            </a:r>
-            <a:r>
-              <a:rPr lang="fr-FR" dirty="0" smtClean="0"/>
-              <a:t> the browser. </a:t>
-            </a:r>
-            <a:r>
-              <a:rPr lang="fr-FR" dirty="0" err="1" smtClean="0"/>
-              <a:t>With</a:t>
-            </a:r>
-            <a:r>
-              <a:rPr lang="fr-FR" dirty="0" smtClean="0"/>
-              <a:t> </a:t>
-            </a:r>
-            <a:r>
-              <a:rPr lang="fr-FR" dirty="0" err="1" smtClean="0"/>
-              <a:t>ngModel</a:t>
-            </a:r>
-            <a:r>
-              <a:rPr lang="fr-FR" dirty="0" smtClean="0"/>
-              <a:t> directive, the </a:t>
-            </a:r>
-            <a:r>
-              <a:rPr lang="fr-FR" dirty="0" err="1" smtClean="0"/>
-              <a:t>name</a:t>
-            </a:r>
-            <a:r>
-              <a:rPr lang="fr-FR" dirty="0" smtClean="0"/>
-              <a:t> </a:t>
-            </a:r>
-            <a:r>
-              <a:rPr lang="fr-FR" dirty="0" err="1" smtClean="0"/>
-              <a:t>attribute</a:t>
-            </a:r>
-            <a:r>
-              <a:rPr lang="fr-FR" dirty="0" smtClean="0"/>
-              <a:t> </a:t>
-            </a:r>
-            <a:r>
-              <a:rPr lang="fr-FR" dirty="0" err="1" smtClean="0"/>
-              <a:t>is</a:t>
-            </a:r>
-            <a:r>
-              <a:rPr lang="fr-FR" dirty="0" smtClean="0"/>
-              <a:t> </a:t>
-            </a:r>
-            <a:r>
-              <a:rPr lang="fr-FR" dirty="0" err="1" smtClean="0"/>
-              <a:t>necessary</a:t>
-            </a:r>
-            <a:r>
-              <a:rPr lang="fr-FR" dirty="0" smtClean="0"/>
-              <a:t> #</a:t>
-            </a:r>
-            <a:r>
-              <a:rPr lang="fr-FR" dirty="0" err="1" smtClean="0"/>
-              <a:t>ngForm</a:t>
-            </a:r>
-            <a:r>
-              <a:rPr lang="fr-FR" dirty="0" smtClean="0"/>
-              <a:t> </a:t>
-            </a:r>
-          </a:p>
-          <a:p>
-            <a:r>
-              <a:rPr lang="fr-FR" dirty="0" err="1" smtClean="0"/>
-              <a:t>Make</a:t>
-            </a:r>
-            <a:r>
-              <a:rPr lang="fr-FR" dirty="0" smtClean="0"/>
-              <a:t> use of </a:t>
-            </a:r>
-            <a:r>
-              <a:rPr lang="fr-FR" dirty="0" err="1" smtClean="0"/>
-              <a:t>two</a:t>
-            </a:r>
-            <a:r>
-              <a:rPr lang="fr-FR" dirty="0" smtClean="0"/>
-              <a:t> </a:t>
-            </a:r>
-            <a:r>
-              <a:rPr lang="fr-FR" dirty="0" err="1" smtClean="0"/>
-              <a:t>way</a:t>
-            </a:r>
-            <a:r>
-              <a:rPr lang="fr-FR" dirty="0" smtClean="0"/>
-              <a:t> </a:t>
-            </a:r>
-            <a:r>
-              <a:rPr lang="fr-FR" dirty="0" err="1" smtClean="0"/>
-              <a:t>binding</a:t>
-            </a:r>
-            <a:endParaRPr lang="fr-FR" dirty="0"/>
+            <a:pPr marL="0" marR="0" lvl="0" indent="0" algn="ctr" defTabSz="914400" rtl="0" eaLnBrk="1" fontAlgn="auto" latinLnBrk="0" hangingPunct="1">
+              <a:lnSpc>
+                <a:spcPct val="100000"/>
+              </a:lnSpc>
+              <a:spcBef>
+                <a:spcPct val="0"/>
+              </a:spcBef>
+              <a:spcAft>
+                <a:spcPts val="0"/>
+              </a:spcAft>
+              <a:buClrTx/>
+              <a:buSzTx/>
+              <a:buFontTx/>
+              <a:buNone/>
+              <a:tabLst/>
+              <a:defRPr/>
+            </a:pPr>
+            <a:r>
+              <a:rPr kumimoji="0" lang="fr-FR" sz="4400" b="0" i="0" u="none" strike="noStrike" kern="1200" cap="none" spc="0" normalizeH="0" baseline="0" noProof="0" dirty="0" smtClean="0">
+                <a:ln>
+                  <a:noFill/>
+                </a:ln>
+                <a:solidFill>
+                  <a:schemeClr val="tx1"/>
+                </a:solidFill>
+                <a:effectLst/>
+                <a:uLnTx/>
+                <a:uFillTx/>
+                <a:latin typeface="+mj-lt"/>
+                <a:ea typeface="+mj-ea"/>
+                <a:cs typeface="+mj-cs"/>
+              </a:rPr>
+              <a:t>Use case of </a:t>
+            </a:r>
+            <a:r>
+              <a:rPr kumimoji="0" lang="fr-FR" sz="4400" b="0" i="0" u="none" strike="noStrike" kern="1200" cap="none" spc="0" normalizeH="0" baseline="0" noProof="0" dirty="0" err="1" smtClean="0">
+                <a:ln>
+                  <a:noFill/>
+                </a:ln>
+                <a:solidFill>
+                  <a:schemeClr val="tx1"/>
+                </a:solidFill>
+                <a:effectLst/>
+                <a:uLnTx/>
+                <a:uFillTx/>
+                <a:latin typeface="+mj-lt"/>
+                <a:ea typeface="+mj-ea"/>
+                <a:cs typeface="+mj-cs"/>
+              </a:rPr>
+              <a:t>Interceptor</a:t>
+            </a:r>
+            <a:endParaRPr kumimoji="0" lang="fr-FR" sz="4400" b="0" i="0" u="none" strike="noStrike" kern="1200" cap="none" spc="0" normalizeH="0" baseline="0" noProof="0" dirty="0" smtClean="0">
+              <a:ln>
+                <a:noFill/>
+              </a:ln>
+              <a:solidFill>
+                <a:schemeClr val="tx1"/>
+              </a:solidFill>
+              <a:effectLst/>
+              <a:uLnTx/>
+              <a:uFillTx/>
+              <a:latin typeface="+mj-lt"/>
+              <a:ea typeface="+mj-ea"/>
+              <a:cs typeface="+mj-cs"/>
+            </a:endParaRPr>
           </a:p>
         </p:txBody>
       </p:sp>
@@ -4539,7 +4418,7 @@
       </p:grpSpPr>
       <p:sp>
         <p:nvSpPr>
-          <p:cNvPr id="7" name="Titre 6"/>
+          <p:cNvPr id="2" name="Titre 1"/>
           <p:cNvSpPr>
             <a:spLocks noGrp="1"/>
           </p:cNvSpPr>
@@ -4553,8 +4432,8 @@
           <a:lstStyle/>
           <a:p>
             <a:r>
-              <a:rPr lang="fr-FR" dirty="0" smtClean="0"/>
-              <a:t>Cycle de vie d’un composant</a:t>
+              <a:rPr lang="fr-FR" dirty="0" err="1" smtClean="0"/>
+              <a:t>Forms</a:t>
             </a:r>
             <a:endParaRPr lang="fr-FR" dirty="0"/>
           </a:p>
@@ -4562,64 +4441,407 @@
       </p:sp>
       <p:sp>
         <p:nvSpPr>
-          <p:cNvPr id="8" name="Espace réservé du contenu 7"/>
-          <p:cNvSpPr>
-            <a:spLocks noGrp="1"/>
-          </p:cNvSpPr>
-          <p:nvPr>
-            <p:ph idx="1"/>
-          </p:nvPr>
-        </p:nvSpPr>
-        <p:spPr/>
-        <p:txBody>
-          <a:bodyPr/>
-          <a:lstStyle/>
-          <a:p>
-            <a:r>
-              <a:rPr lang="fr-FR" dirty="0" smtClean="0"/>
-              <a:t>Constructeur : n’est pas un </a:t>
-            </a:r>
-            <a:r>
-              <a:rPr lang="fr-FR" dirty="0" err="1" smtClean="0"/>
-              <a:t>hook</a:t>
-            </a:r>
-            <a:r>
-              <a:rPr lang="fr-FR" dirty="0" smtClean="0"/>
-              <a:t> mais fait partie du cycle de vie du composant: sa création. Il est appelé en premier et à ce moment que les dépendances sont injectées dans le composant par </a:t>
-            </a:r>
-            <a:r>
-              <a:rPr lang="fr-FR" dirty="0" err="1" smtClean="0"/>
-              <a:t>Angular</a:t>
-            </a:r>
-            <a:r>
-              <a:rPr lang="fr-FR" dirty="0" smtClean="0"/>
-              <a:t>.</a:t>
-            </a:r>
-          </a:p>
-          <a:p>
-            <a:r>
-              <a:rPr lang="fr-FR" dirty="0" err="1" smtClean="0"/>
-              <a:t>ngOnInit</a:t>
-            </a:r>
-            <a:r>
-              <a:rPr lang="fr-FR" dirty="0" smtClean="0"/>
-              <a:t>: </a:t>
-            </a:r>
-            <a:r>
-              <a:rPr lang="fr-FR" dirty="0" err="1" smtClean="0"/>
-              <a:t>hook</a:t>
-            </a:r>
-            <a:r>
-              <a:rPr lang="fr-FR" dirty="0" smtClean="0"/>
-              <a:t> responsable de l’initialisation du composant. Les inputs </a:t>
-            </a:r>
-            <a:r>
-              <a:rPr lang="fr-FR" dirty="0" err="1" smtClean="0"/>
-              <a:t>pasés</a:t>
-            </a:r>
-            <a:r>
-              <a:rPr lang="fr-FR" dirty="0" smtClean="0"/>
-              <a:t> au composant sont alors disponibles. </a:t>
+          <p:cNvPr id="8" name="Espace réservé du texte 7"/>
+          <p:cNvSpPr>
+            <a:spLocks noGrp="1"/>
+          </p:cNvSpPr>
+          <p:nvPr>
+            <p:ph type="body" idx="1"/>
+          </p:nvPr>
+        </p:nvSpPr>
+        <p:spPr/>
+        <p:txBody>
+          <a:bodyPr/>
+          <a:lstStyle/>
+          <a:p>
+            <a:r>
+              <a:rPr lang="fr-FR" dirty="0" err="1" smtClean="0"/>
+              <a:t>Reactive</a:t>
+            </a:r>
+            <a:r>
+              <a:rPr lang="fr-FR" dirty="0" smtClean="0"/>
+              <a:t> </a:t>
+            </a:r>
+            <a:r>
+              <a:rPr lang="fr-FR" dirty="0" err="1" smtClean="0"/>
+              <a:t>Form</a:t>
+            </a:r>
+            <a:endParaRPr lang="fr-FR" dirty="0"/>
+          </a:p>
+        </p:txBody>
+      </p:sp>
+      <p:sp>
+        <p:nvSpPr>
+          <p:cNvPr id="3" name="Espace réservé du contenu 2"/>
+          <p:cNvSpPr>
+            <a:spLocks noGrp="1"/>
+          </p:cNvSpPr>
+          <p:nvPr>
+            <p:ph sz="half" idx="2"/>
+          </p:nvPr>
+        </p:nvSpPr>
+        <p:spPr/>
+        <p:txBody>
+          <a:bodyPr>
+            <a:normAutofit lnSpcReduction="10000"/>
+          </a:bodyPr>
+          <a:lstStyle/>
+          <a:p>
+            <a:r>
+              <a:rPr lang="fr-FR" dirty="0" err="1" smtClean="0"/>
+              <a:t>Provide</a:t>
+            </a:r>
+            <a:r>
+              <a:rPr lang="fr-FR" dirty="0" smtClean="0"/>
+              <a:t> a model </a:t>
+            </a:r>
+            <a:r>
+              <a:rPr lang="fr-FR" dirty="0" err="1" smtClean="0"/>
+              <a:t>driven</a:t>
+            </a:r>
+            <a:r>
+              <a:rPr lang="fr-FR" dirty="0" smtClean="0"/>
+              <a:t> </a:t>
+            </a:r>
+            <a:r>
+              <a:rPr lang="fr-FR" dirty="0" err="1" smtClean="0"/>
+              <a:t>approach</a:t>
+            </a:r>
+            <a:r>
+              <a:rPr lang="fr-FR" dirty="0" smtClean="0"/>
+              <a:t> to </a:t>
+            </a:r>
+            <a:r>
+              <a:rPr lang="fr-FR" dirty="0" err="1" smtClean="0"/>
+              <a:t>handling</a:t>
+            </a:r>
+            <a:r>
+              <a:rPr lang="fr-FR" dirty="0" smtClean="0"/>
+              <a:t> </a:t>
+            </a:r>
+            <a:r>
+              <a:rPr lang="fr-FR" dirty="0" err="1" smtClean="0"/>
+              <a:t>from</a:t>
+            </a:r>
+            <a:r>
+              <a:rPr lang="fr-FR" dirty="0" smtClean="0"/>
+              <a:t> inputs </a:t>
+            </a:r>
+            <a:r>
+              <a:rPr lang="fr-FR" dirty="0" err="1" smtClean="0"/>
+              <a:t>whose</a:t>
+            </a:r>
+            <a:r>
+              <a:rPr lang="fr-FR" dirty="0" smtClean="0"/>
+              <a:t> values change over time</a:t>
+            </a:r>
+          </a:p>
+          <a:p>
+            <a:r>
+              <a:rPr lang="fr-FR" dirty="0" err="1" smtClean="0"/>
+              <a:t>Form</a:t>
+            </a:r>
+            <a:r>
+              <a:rPr lang="fr-FR" dirty="0" smtClean="0"/>
+              <a:t> Group </a:t>
+            </a:r>
+          </a:p>
+          <a:p>
+            <a:r>
+              <a:rPr lang="fr-FR" dirty="0" err="1" smtClean="0"/>
+              <a:t>Form</a:t>
+            </a:r>
+            <a:r>
+              <a:rPr lang="fr-FR" dirty="0" smtClean="0"/>
+              <a:t> </a:t>
+            </a:r>
+            <a:r>
+              <a:rPr lang="fr-FR" dirty="0" err="1" smtClean="0"/>
+              <a:t>Array</a:t>
+            </a:r>
+            <a:endParaRPr lang="fr-FR" dirty="0" smtClean="0"/>
+          </a:p>
+          <a:p>
+            <a:r>
+              <a:rPr lang="fr-FR" dirty="0" err="1" smtClean="0"/>
+              <a:t>Form</a:t>
+            </a:r>
+            <a:r>
+              <a:rPr lang="fr-FR" dirty="0" smtClean="0"/>
+              <a:t> Control</a:t>
+            </a:r>
+          </a:p>
+          <a:p>
+            <a:r>
+              <a:rPr lang="fr-FR" dirty="0" err="1" smtClean="0"/>
+              <a:t>FormBuilder</a:t>
+            </a:r>
+            <a:endParaRPr lang="fr-FR" dirty="0" smtClean="0"/>
+          </a:p>
+          <a:p>
+            <a:r>
+              <a:rPr lang="fr-FR" dirty="0" err="1" smtClean="0"/>
+              <a:t>Validator</a:t>
+            </a:r>
+            <a:endParaRPr lang="fr-FR" dirty="0" smtClean="0"/>
+          </a:p>
+          <a:p>
+            <a:r>
+              <a:rPr lang="fr-FR" dirty="0" smtClean="0"/>
+              <a:t>No </a:t>
+            </a:r>
+            <a:r>
+              <a:rPr lang="fr-FR" dirty="0" err="1" smtClean="0"/>
+              <a:t>two</a:t>
+            </a:r>
+            <a:r>
+              <a:rPr lang="fr-FR" dirty="0" smtClean="0"/>
+              <a:t> </a:t>
+            </a:r>
+            <a:r>
+              <a:rPr lang="fr-FR" dirty="0" err="1" smtClean="0"/>
+              <a:t>way</a:t>
+            </a:r>
+            <a:r>
+              <a:rPr lang="fr-FR" dirty="0" smtClean="0"/>
+              <a:t> </a:t>
+            </a:r>
+            <a:r>
+              <a:rPr lang="fr-FR" dirty="0" err="1" smtClean="0"/>
+              <a:t>binding</a:t>
+            </a:r>
+            <a:endParaRPr lang="fr-FR" dirty="0"/>
+          </a:p>
+        </p:txBody>
+      </p:sp>
+      <p:sp>
+        <p:nvSpPr>
+          <p:cNvPr id="9" name="Espace réservé du texte 8"/>
+          <p:cNvSpPr>
+            <a:spLocks noGrp="1"/>
+          </p:cNvSpPr>
+          <p:nvPr>
+            <p:ph type="body" sz="quarter" idx="3"/>
+          </p:nvPr>
+        </p:nvSpPr>
+        <p:spPr/>
+        <p:txBody>
+          <a:bodyPr/>
+          <a:lstStyle/>
+          <a:p>
+            <a:r>
+              <a:rPr lang="fr-FR" dirty="0" smtClean="0"/>
+              <a:t>Template </a:t>
+            </a:r>
+            <a:r>
+              <a:rPr lang="fr-FR" dirty="0" err="1" smtClean="0"/>
+              <a:t>driven</a:t>
+            </a:r>
+            <a:r>
+              <a:rPr lang="fr-FR" dirty="0" smtClean="0"/>
+              <a:t> </a:t>
+            </a:r>
+            <a:r>
+              <a:rPr lang="fr-FR" dirty="0" err="1" smtClean="0"/>
+              <a:t>Forms</a:t>
+            </a:r>
+            <a:endParaRPr lang="fr-FR" dirty="0"/>
+          </a:p>
+        </p:txBody>
+      </p:sp>
+      <p:sp>
+        <p:nvSpPr>
+          <p:cNvPr id="10" name="Espace réservé du contenu 9"/>
+          <p:cNvSpPr>
+            <a:spLocks noGrp="1"/>
+          </p:cNvSpPr>
+          <p:nvPr>
+            <p:ph sz="quarter" idx="4"/>
+          </p:nvPr>
+        </p:nvSpPr>
+        <p:spPr/>
+        <p:txBody>
+          <a:bodyPr>
+            <a:normAutofit lnSpcReduction="10000"/>
+          </a:bodyPr>
+          <a:lstStyle/>
+          <a:p>
+            <a:r>
+              <a:rPr lang="fr-FR" dirty="0" smtClean="0"/>
+              <a:t>Most of the code </a:t>
+            </a:r>
+            <a:r>
+              <a:rPr lang="fr-FR" dirty="0" err="1" smtClean="0"/>
+              <a:t>is</a:t>
+            </a:r>
+            <a:r>
+              <a:rPr lang="fr-FR" dirty="0" smtClean="0"/>
+              <a:t> </a:t>
+            </a:r>
+            <a:r>
+              <a:rPr lang="fr-FR" dirty="0" err="1" smtClean="0"/>
+              <a:t>written</a:t>
+            </a:r>
+            <a:r>
+              <a:rPr lang="fr-FR" dirty="0" smtClean="0"/>
+              <a:t> on the </a:t>
+            </a:r>
+            <a:r>
+              <a:rPr lang="fr-FR" dirty="0" err="1" smtClean="0"/>
+              <a:t>template</a:t>
+            </a:r>
+            <a:endParaRPr lang="fr-FR" dirty="0"/>
+          </a:p>
+          <a:p>
+            <a:r>
+              <a:rPr lang="fr-FR" dirty="0" err="1" smtClean="0"/>
+              <a:t>When</a:t>
+            </a:r>
+            <a:r>
+              <a:rPr lang="fr-FR" dirty="0" smtClean="0"/>
+              <a:t> </a:t>
+            </a:r>
+            <a:r>
+              <a:rPr lang="fr-FR" dirty="0" err="1" smtClean="0"/>
+              <a:t>we</a:t>
+            </a:r>
+            <a:r>
+              <a:rPr lang="fr-FR" dirty="0" smtClean="0"/>
+              <a:t> have a simple </a:t>
+            </a:r>
+            <a:r>
+              <a:rPr lang="fr-FR" dirty="0" err="1" smtClean="0"/>
+              <a:t>form</a:t>
+            </a:r>
+            <a:r>
+              <a:rPr lang="fr-FR" dirty="0" smtClean="0"/>
+              <a:t> for </a:t>
+            </a:r>
+            <a:r>
+              <a:rPr lang="fr-FR" dirty="0" err="1" smtClean="0"/>
+              <a:t>which</a:t>
+            </a:r>
+            <a:r>
+              <a:rPr lang="fr-FR" dirty="0" smtClean="0"/>
+              <a:t> unit tests </a:t>
+            </a:r>
+            <a:r>
+              <a:rPr lang="fr-FR" dirty="0" err="1" smtClean="0"/>
+              <a:t>can</a:t>
+            </a:r>
+            <a:r>
+              <a:rPr lang="fr-FR" dirty="0" smtClean="0"/>
+              <a:t> </a:t>
+            </a:r>
+            <a:r>
+              <a:rPr lang="fr-FR" dirty="0" err="1" smtClean="0"/>
+              <a:t>be</a:t>
+            </a:r>
+            <a:r>
+              <a:rPr lang="fr-FR" dirty="0" smtClean="0"/>
+              <a:t> </a:t>
+            </a:r>
+            <a:r>
+              <a:rPr lang="fr-FR" dirty="0" err="1" smtClean="0"/>
+              <a:t>handled</a:t>
+            </a:r>
+            <a:r>
+              <a:rPr lang="fr-FR" dirty="0" smtClean="0"/>
+              <a:t> </a:t>
+            </a:r>
+            <a:r>
+              <a:rPr lang="fr-FR" dirty="0" err="1" smtClean="0"/>
+              <a:t>with</a:t>
+            </a:r>
+            <a:r>
+              <a:rPr lang="fr-FR" dirty="0" smtClean="0"/>
+              <a:t> the browser. </a:t>
+            </a:r>
+            <a:r>
+              <a:rPr lang="fr-FR" dirty="0" err="1" smtClean="0"/>
+              <a:t>With</a:t>
+            </a:r>
+            <a:r>
+              <a:rPr lang="fr-FR" dirty="0" smtClean="0"/>
+              <a:t> </a:t>
+            </a:r>
+            <a:r>
+              <a:rPr lang="fr-FR" dirty="0" err="1" smtClean="0"/>
+              <a:t>ngModel</a:t>
+            </a:r>
+            <a:r>
+              <a:rPr lang="fr-FR" dirty="0" smtClean="0"/>
+              <a:t> directive, the </a:t>
+            </a:r>
+            <a:r>
+              <a:rPr lang="fr-FR" dirty="0" err="1" smtClean="0"/>
+              <a:t>name</a:t>
+            </a:r>
+            <a:r>
+              <a:rPr lang="fr-FR" dirty="0" smtClean="0"/>
+              <a:t> </a:t>
+            </a:r>
+            <a:r>
+              <a:rPr lang="fr-FR" dirty="0" err="1" smtClean="0"/>
+              <a:t>attribute</a:t>
+            </a:r>
+            <a:r>
+              <a:rPr lang="fr-FR" dirty="0" smtClean="0"/>
+              <a:t> </a:t>
+            </a:r>
+            <a:r>
+              <a:rPr lang="fr-FR" dirty="0" err="1" smtClean="0"/>
+              <a:t>is</a:t>
+            </a:r>
+            <a:r>
+              <a:rPr lang="fr-FR" dirty="0" smtClean="0"/>
+              <a:t> </a:t>
+            </a:r>
+            <a:r>
+              <a:rPr lang="fr-FR" dirty="0" err="1" smtClean="0"/>
+              <a:t>necessary</a:t>
+            </a:r>
+            <a:r>
+              <a:rPr lang="fr-FR" dirty="0" smtClean="0"/>
+              <a:t> #</a:t>
+            </a:r>
+            <a:r>
+              <a:rPr lang="fr-FR" dirty="0" err="1" smtClean="0"/>
+              <a:t>ngForm</a:t>
+            </a:r>
+            <a:r>
+              <a:rPr lang="fr-FR" dirty="0" smtClean="0"/>
+              <a:t> </a:t>
+            </a:r>
+          </a:p>
+          <a:p>
+            <a:r>
+              <a:rPr lang="fr-FR" dirty="0" err="1" smtClean="0"/>
+              <a:t>Make</a:t>
+            </a:r>
+            <a:r>
+              <a:rPr lang="fr-FR" dirty="0" smtClean="0"/>
+              <a:t> use of </a:t>
+            </a:r>
+            <a:r>
+              <a:rPr lang="fr-FR" dirty="0" err="1" smtClean="0"/>
+              <a:t>two</a:t>
+            </a:r>
+            <a:r>
+              <a:rPr lang="fr-FR" dirty="0" smtClean="0"/>
+              <a:t> </a:t>
+            </a:r>
+            <a:r>
+              <a:rPr lang="fr-FR" dirty="0" err="1" smtClean="0"/>
+              <a:t>way</a:t>
+            </a:r>
+            <a:r>
+              <a:rPr lang="fr-FR" dirty="0" smtClean="0"/>
+              <a:t> </a:t>
+            </a:r>
+            <a:r>
+              <a:rPr lang="fr-FR" dirty="0" err="1" smtClean="0"/>
+              <a:t>binding</a:t>
             </a:r>
             <a:endParaRPr lang="fr-FR" dirty="0"/>
           </a:p>
@@ -4652,7 +4874,30 @@
       </p:grpSpPr>
       <p:sp>
         <p:nvSpPr>
-          <p:cNvPr id="3" name="Espace réservé du contenu 2"/>
+          <p:cNvPr id="7" name="Titre 6"/>
+          <p:cNvSpPr>
+            <a:spLocks noGrp="1"/>
+          </p:cNvSpPr>
+          <p:nvPr>
+            <p:ph type="title"/>
+          </p:nvPr>
+        </p:nvSpPr>
+        <p:spPr/>
+        <p:txBody>
+          <a:bodyPr/>
+          <a:lstStyle/>
+          <a:p>
+            <a:r>
+              <a:rPr lang="fr-FR" dirty="0" smtClean="0"/>
+              <a:t>Cycle de vie d’un composant</a:t>
+            </a:r>
+            <a:endParaRPr lang="fr-FR" dirty="0"/>
+          </a:p>
+        </p:txBody>
+      </p:sp>
+      <p:sp>
+        <p:nvSpPr>
+          <p:cNvPr id="8" name="Espace réservé du contenu 7"/>
           <p:cNvSpPr>
             <a:spLocks noGrp="1"/>
           </p:cNvSpPr>
@@ -4660,31 +4905,36 @@
             <p:ph idx="1"/>
           </p:nvPr>
         </p:nvSpPr>
-        <p:spPr>
-          <a:xfrm>
-            <a:off x="428596" y="285728"/>
-            <a:ext cx="8229600" cy="6143668"/>
-          </a:xfrm>
-        </p:spPr>
-        <p:txBody>
-          <a:bodyPr>
-            <a:normAutofit fontScale="92500" lnSpcReduction="20000"/>
-          </a:bodyPr>
-          <a:lstStyle/>
-          <a:p>
-            <a:r>
-              <a:rPr lang="fr-FR" dirty="0" err="1" smtClean="0"/>
-              <a:t>ngOnChanges</a:t>
-            </a:r>
-            <a:r>
-              <a:rPr lang="fr-FR" dirty="0" smtClean="0"/>
-              <a:t>: appelé lorsqu’une propriété input est définie ou bien modifiée. Un objet est passé en paramètre et possède des informations sur le changement de la propriété.</a:t>
-            </a:r>
-          </a:p>
-          <a:p>
-            <a:r>
-              <a:rPr lang="fr-FR" dirty="0" err="1" smtClean="0"/>
-              <a:t>ngDoCheck</a:t>
+        <p:spPr/>
+        <p:txBody>
+          <a:bodyPr/>
+          <a:lstStyle/>
+          <a:p>
+            <a:r>
+              <a:rPr lang="fr-FR" dirty="0" smtClean="0"/>
+              <a:t>Constructeur : n’est pas un </a:t>
+            </a:r>
+            <a:r>
+              <a:rPr lang="fr-FR" dirty="0" err="1" smtClean="0"/>
+              <a:t>hook</a:t>
+            </a:r>
+            <a:r>
+              <a:rPr lang="fr-FR" dirty="0" smtClean="0"/>
+              <a:t> mais fait partie du cycle de vie du composant: sa création. Il est appelé en premier et à ce moment que les dépendances sont injectées dans le composant par </a:t>
+            </a:r>
+            <a:r>
+              <a:rPr lang="fr-FR" dirty="0" err="1" smtClean="0"/>
+              <a:t>Angular</a:t>
+            </a:r>
+            <a:r>
+              <a:rPr lang="fr-FR" dirty="0" smtClean="0"/>
+              <a:t>.</a:t>
+            </a:r>
+          </a:p>
+          <a:p>
+            <a:r>
+              <a:rPr lang="fr-FR" dirty="0" err="1" smtClean="0"/>
+              <a:t>ngOnInit</a:t>
             </a:r>
             <a:r>
               <a:rPr lang="fr-FR" dirty="0" smtClean="0"/>
@@ -4692,87 +4942,20 @@
             </a:r>
             <a:r>
               <a:rPr lang="fr-FR" dirty="0" err="1" smtClean="0"/>
-              <a:t>detecte</a:t>
-            </a:r>
-            <a:r>
-              <a:rPr lang="fr-FR" dirty="0" smtClean="0"/>
-              <a:t> les changements</a:t>
-            </a:r>
-          </a:p>
-          <a:p>
-            <a:r>
-              <a:rPr lang="fr-FR" dirty="0" err="1" smtClean="0"/>
-              <a:t>ngAfterContentInit</a:t>
-            </a:r>
-            <a:r>
-              <a:rPr lang="fr-FR" dirty="0" smtClean="0"/>
-              <a:t>: appelé après le premier </a:t>
-            </a:r>
-            <a:r>
-              <a:rPr lang="fr-FR" dirty="0" err="1" smtClean="0"/>
-              <a:t>ngDoCheck.Ce</a:t>
-            </a:r>
-            <a:r>
-              <a:rPr lang="fr-FR" dirty="0" smtClean="0"/>
-              <a:t> </a:t>
-            </a:r>
-            <a:r>
-              <a:rPr lang="fr-FR" dirty="0" err="1" smtClean="0"/>
               <a:t>hook</a:t>
             </a:r>
             <a:r>
               <a:rPr lang="fr-FR" dirty="0" smtClean="0"/>
-              <a:t> est levé une fois que le contenu externe est bien projeté dans le composant: on parle de </a:t>
-            </a:r>
-            <a:r>
-              <a:rPr lang="fr-FR" dirty="0" err="1" smtClean="0"/>
-              <a:t>transclusion</a:t>
-            </a:r>
-            <a:r>
-              <a:rPr lang="fr-FR" dirty="0" smtClean="0"/>
-              <a:t>.</a:t>
-            </a:r>
-          </a:p>
-          <a:p>
-            <a:r>
-              <a:rPr lang="fr-FR" dirty="0" err="1" smtClean="0"/>
-              <a:t>ngAfterContentChecked</a:t>
-            </a:r>
-            <a:r>
-              <a:rPr lang="fr-FR" dirty="0" smtClean="0"/>
-              <a:t>: ce </a:t>
-            </a:r>
-            <a:r>
-              <a:rPr lang="fr-FR" dirty="0" err="1" smtClean="0"/>
-              <a:t>hook</a:t>
-            </a:r>
-            <a:r>
-              <a:rPr lang="fr-FR" dirty="0" smtClean="0"/>
-              <a:t> est appelé après chaque vérification du contenue projeté</a:t>
-            </a:r>
-          </a:p>
-          <a:p>
-            <a:r>
-              <a:rPr lang="fr-FR" dirty="0" err="1" smtClean="0"/>
-              <a:t>ngAfterViewInit</a:t>
-            </a:r>
-            <a:endParaRPr lang="fr-FR" dirty="0" smtClean="0"/>
-          </a:p>
-          <a:p>
-            <a:r>
-              <a:rPr lang="fr-FR" dirty="0" err="1" smtClean="0"/>
-              <a:t>ngAfterViewChecked</a:t>
-            </a:r>
-            <a:endParaRPr lang="fr-FR" dirty="0" smtClean="0"/>
-          </a:p>
-          <a:p>
-            <a:r>
-              <a:rPr lang="fr-FR" dirty="0" err="1" smtClean="0"/>
-              <a:t>ngOnDestroy</a:t>
-            </a:r>
-            <a:endParaRPr lang="fr-FR" dirty="0" smtClean="0"/>
-          </a:p>
-          <a:p>
+              <a:t> responsable de l’initialisation du composant. Les inputs </a:t>
+            </a:r>
+            <a:r>
+              <a:rPr lang="fr-FR" dirty="0" err="1" smtClean="0"/>
+              <a:t>pasés</a:t>
+            </a:r>
+            <a:r>
+              <a:rPr lang="fr-FR" dirty="0" smtClean="0"/>
+              <a:t> au composant sont alors disponibles. </a:t>
+            </a:r>
             <a:endParaRPr lang="fr-FR" dirty="0"/>
           </a:p>
         </p:txBody>
